--- a/TDD.pptx
+++ b/TDD.pptx
@@ -9,8 +9,7 @@
     <p:sldId id="259" r:id="rId3"/>
     <p:sldId id="260" r:id="rId4"/>
     <p:sldId id="261" r:id="rId5"/>
-    <p:sldId id="258" r:id="rId6"/>
-    <p:sldId id="257" r:id="rId7"/>
+    <p:sldId id="257" r:id="rId6"/>
   </p:sldIdLst>
   <p:sldSz cx="12192000" cy="6858000"/>
   <p:notesSz cx="6858000" cy="9144000"/>
@@ -109,6 +108,11 @@
       </a:defRPr>
     </a:lvl9pPr>
   </p:defaultTextStyle>
+  <p:extLst>
+    <p:ext uri="{EFAFB233-063F-42B5-8137-9DF3F51BA10A}">
+      <p15:sldGuideLst xmlns:p15="http://schemas.microsoft.com/office/powerpoint/2012/main"/>
+    </p:ext>
+  </p:extLst>
 </p:presentation>
 </file>
 
@@ -243,7 +247,7 @@
           <a:p>
             <a:fld id="{436369E9-6EED-453C-BC49-431FAFB95E25}" type="datetimeFigureOut">
               <a:rPr lang="pt-BR" smtClean="0"/>
-              <a:t>29/08/2017</a:t>
+              <a:t>30/08/2017</a:t>
             </a:fld>
             <a:endParaRPr lang="pt-BR"/>
           </a:p>
@@ -413,7 +417,7 @@
           <a:p>
             <a:fld id="{436369E9-6EED-453C-BC49-431FAFB95E25}" type="datetimeFigureOut">
               <a:rPr lang="pt-BR" smtClean="0"/>
-              <a:t>29/08/2017</a:t>
+              <a:t>30/08/2017</a:t>
             </a:fld>
             <a:endParaRPr lang="pt-BR"/>
           </a:p>
@@ -593,7 +597,7 @@
           <a:p>
             <a:fld id="{436369E9-6EED-453C-BC49-431FAFB95E25}" type="datetimeFigureOut">
               <a:rPr lang="pt-BR" smtClean="0"/>
-              <a:t>29/08/2017</a:t>
+              <a:t>30/08/2017</a:t>
             </a:fld>
             <a:endParaRPr lang="pt-BR"/>
           </a:p>
@@ -763,7 +767,7 @@
           <a:p>
             <a:fld id="{436369E9-6EED-453C-BC49-431FAFB95E25}" type="datetimeFigureOut">
               <a:rPr lang="pt-BR" smtClean="0"/>
-              <a:t>29/08/2017</a:t>
+              <a:t>30/08/2017</a:t>
             </a:fld>
             <a:endParaRPr lang="pt-BR"/>
           </a:p>
@@ -1009,7 +1013,7 @@
           <a:p>
             <a:fld id="{436369E9-6EED-453C-BC49-431FAFB95E25}" type="datetimeFigureOut">
               <a:rPr lang="pt-BR" smtClean="0"/>
-              <a:t>29/08/2017</a:t>
+              <a:t>30/08/2017</a:t>
             </a:fld>
             <a:endParaRPr lang="pt-BR"/>
           </a:p>
@@ -1241,7 +1245,7 @@
           <a:p>
             <a:fld id="{436369E9-6EED-453C-BC49-431FAFB95E25}" type="datetimeFigureOut">
               <a:rPr lang="pt-BR" smtClean="0"/>
-              <a:t>29/08/2017</a:t>
+              <a:t>30/08/2017</a:t>
             </a:fld>
             <a:endParaRPr lang="pt-BR"/>
           </a:p>
@@ -1608,7 +1612,7 @@
           <a:p>
             <a:fld id="{436369E9-6EED-453C-BC49-431FAFB95E25}" type="datetimeFigureOut">
               <a:rPr lang="pt-BR" smtClean="0"/>
-              <a:t>29/08/2017</a:t>
+              <a:t>30/08/2017</a:t>
             </a:fld>
             <a:endParaRPr lang="pt-BR"/>
           </a:p>
@@ -1726,7 +1730,7 @@
           <a:p>
             <a:fld id="{436369E9-6EED-453C-BC49-431FAFB95E25}" type="datetimeFigureOut">
               <a:rPr lang="pt-BR" smtClean="0"/>
-              <a:t>29/08/2017</a:t>
+              <a:t>30/08/2017</a:t>
             </a:fld>
             <a:endParaRPr lang="pt-BR"/>
           </a:p>
@@ -1821,7 +1825,7 @@
           <a:p>
             <a:fld id="{436369E9-6EED-453C-BC49-431FAFB95E25}" type="datetimeFigureOut">
               <a:rPr lang="pt-BR" smtClean="0"/>
-              <a:t>29/08/2017</a:t>
+              <a:t>30/08/2017</a:t>
             </a:fld>
             <a:endParaRPr lang="pt-BR"/>
           </a:p>
@@ -2098,7 +2102,7 @@
           <a:p>
             <a:fld id="{436369E9-6EED-453C-BC49-431FAFB95E25}" type="datetimeFigureOut">
               <a:rPr lang="pt-BR" smtClean="0"/>
-              <a:t>29/08/2017</a:t>
+              <a:t>30/08/2017</a:t>
             </a:fld>
             <a:endParaRPr lang="pt-BR"/>
           </a:p>
@@ -2351,7 +2355,7 @@
           <a:p>
             <a:fld id="{436369E9-6EED-453C-BC49-431FAFB95E25}" type="datetimeFigureOut">
               <a:rPr lang="pt-BR" smtClean="0"/>
-              <a:t>29/08/2017</a:t>
+              <a:t>30/08/2017</a:t>
             </a:fld>
             <a:endParaRPr lang="pt-BR"/>
           </a:p>
@@ -2416,9 +2420,14 @@
 <p:sldMaster xmlns:a="http://schemas.openxmlformats.org/drawingml/2006/main" xmlns:r="http://schemas.openxmlformats.org/officeDocument/2006/relationships" xmlns:p="http://schemas.openxmlformats.org/presentationml/2006/main">
   <p:cSld>
     <p:bg>
-      <p:bgRef idx="1001">
-        <a:schemeClr val="bg1"/>
-      </p:bgRef>
+      <p:bgPr>
+        <a:solidFill>
+          <a:schemeClr val="bg1">
+            <a:lumMod val="85000"/>
+          </a:schemeClr>
+        </a:solidFill>
+        <a:effectLst/>
+      </p:bgPr>
     </p:bg>
     <p:spTree>
       <p:nvGrpSpPr>
@@ -2564,7 +2573,7 @@
           <a:p>
             <a:fld id="{436369E9-6EED-453C-BC49-431FAFB95E25}" type="datetimeFigureOut">
               <a:rPr lang="pt-BR" smtClean="0"/>
-              <a:t>29/08/2017</a:t>
+              <a:t>30/08/2017</a:t>
             </a:fld>
             <a:endParaRPr lang="pt-BR"/>
           </a:p>
@@ -2977,7 +2986,7 @@
         </p:nvSpPr>
         <p:spPr>
           <a:xfrm>
-            <a:off x="5150069" y="1715073"/>
+            <a:off x="5150067" y="1632980"/>
             <a:ext cx="2354317" cy="1446550"/>
           </a:xfrm>
           <a:prstGeom prst="rect">
@@ -2992,10 +3001,24 @@
           <a:lstStyle/>
           <a:p>
             <a:r>
-              <a:rPr lang="pt-BR" sz="8800" dirty="0" smtClean="0"/>
+              <a:rPr lang="pt-BR" sz="8800" dirty="0" smtClean="0">
+                <a:solidFill>
+                  <a:schemeClr val="tx1">
+                    <a:lumMod val="75000"/>
+                    <a:lumOff val="25000"/>
+                  </a:schemeClr>
+                </a:solidFill>
+              </a:rPr>
               <a:t>TDD</a:t>
             </a:r>
-            <a:endParaRPr lang="pt-BR" sz="8800" dirty="0"/>
+            <a:endParaRPr lang="pt-BR" sz="8800" dirty="0">
+              <a:solidFill>
+                <a:schemeClr val="tx1">
+                  <a:lumMod val="75000"/>
+                  <a:lumOff val="25000"/>
+                </a:schemeClr>
+              </a:solidFill>
+            </a:endParaRPr>
           </a:p>
         </p:txBody>
       </p:sp>
@@ -3022,34 +3045,82 @@
           <a:lstStyle/>
           <a:p>
             <a:r>
-              <a:rPr lang="pt-BR" sz="3600" b="1" dirty="0" smtClean="0"/>
+              <a:rPr lang="pt-BR" sz="3600" b="1" dirty="0" smtClean="0">
+                <a:solidFill>
+                  <a:schemeClr val="bg2">
+                    <a:lumMod val="25000"/>
+                  </a:schemeClr>
+                </a:solidFill>
+              </a:rPr>
               <a:t>T</a:t>
             </a:r>
             <a:r>
-              <a:rPr lang="pt-BR" sz="3600" dirty="0" smtClean="0"/>
+              <a:rPr lang="pt-BR" sz="3600" dirty="0" smtClean="0">
+                <a:solidFill>
+                  <a:schemeClr val="bg1">
+                    <a:lumMod val="50000"/>
+                  </a:schemeClr>
+                </a:solidFill>
+              </a:rPr>
               <a:t>est-</a:t>
             </a:r>
             <a:r>
-              <a:rPr lang="pt-BR" sz="3600" b="1" dirty="0" err="1" smtClean="0"/>
+              <a:rPr lang="pt-BR" sz="3600" b="1" dirty="0" err="1" smtClean="0">
+                <a:solidFill>
+                  <a:schemeClr val="bg2">
+                    <a:lumMod val="25000"/>
+                  </a:schemeClr>
+                </a:solidFill>
+              </a:rPr>
               <a:t>D</a:t>
             </a:r>
             <a:r>
-              <a:rPr lang="pt-BR" sz="3600" dirty="0" err="1" smtClean="0"/>
+              <a:rPr lang="pt-BR" sz="3600" dirty="0" err="1" smtClean="0">
+                <a:solidFill>
+                  <a:schemeClr val="bg1">
+                    <a:lumMod val="50000"/>
+                  </a:schemeClr>
+                </a:solidFill>
+              </a:rPr>
               <a:t>riven</a:t>
             </a:r>
             <a:r>
-              <a:rPr lang="pt-BR" sz="3600" dirty="0" smtClean="0"/>
+              <a:rPr lang="pt-BR" sz="3600" dirty="0" smtClean="0">
+                <a:solidFill>
+                  <a:schemeClr val="bg1">
+                    <a:lumMod val="50000"/>
+                  </a:schemeClr>
+                </a:solidFill>
+              </a:rPr>
               <a:t> </a:t>
             </a:r>
             <a:r>
-              <a:rPr lang="pt-BR" sz="3600" b="1" dirty="0" err="1" smtClean="0"/>
+              <a:rPr lang="pt-BR" sz="3600" b="1" dirty="0" err="1" smtClean="0">
+                <a:solidFill>
+                  <a:schemeClr val="bg2">
+                    <a:lumMod val="25000"/>
+                  </a:schemeClr>
+                </a:solidFill>
+              </a:rPr>
               <a:t>D</a:t>
             </a:r>
             <a:r>
-              <a:rPr lang="pt-BR" sz="3600" dirty="0" err="1" smtClean="0"/>
+              <a:rPr lang="pt-BR" sz="3600" dirty="0" err="1" smtClean="0">
+                <a:solidFill>
+                  <a:schemeClr val="bg1">
+                    <a:lumMod val="50000"/>
+                  </a:schemeClr>
+                </a:solidFill>
+              </a:rPr>
               <a:t>evelopment</a:t>
             </a:r>
-            <a:endParaRPr lang="pt-BR" sz="3600" dirty="0"/>
+            <a:endParaRPr lang="pt-BR" sz="3600" dirty="0">
+              <a:solidFill>
+                <a:schemeClr val="bg1">
+                  <a:lumMod val="50000"/>
+                </a:schemeClr>
+              </a:solidFill>
+            </a:endParaRPr>
           </a:p>
         </p:txBody>
       </p:sp>
@@ -3092,7 +3163,7 @@
       </p:grpSpPr>
       <p:pic>
         <p:nvPicPr>
-          <p:cNvPr id="4" name="Imagem 3"/>
+          <p:cNvPr id="3" name="Imagem 2"/>
           <p:cNvPicPr>
             <a:picLocks noChangeAspect="1"/>
           </p:cNvPicPr>
@@ -3112,8 +3183,8 @@
         </p:blipFill>
         <p:spPr>
           <a:xfrm>
-            <a:off x="861848" y="115613"/>
-            <a:ext cx="9942786" cy="6628524"/>
+            <a:off x="2711323" y="1051035"/>
+            <a:ext cx="7653703" cy="4534184"/>
           </a:xfrm>
           <a:prstGeom prst="rect">
             <a:avLst/>
@@ -3159,7 +3230,7 @@
       </p:grpSpPr>
       <p:pic>
         <p:nvPicPr>
-          <p:cNvPr id="3" name="Imagem 2"/>
+          <p:cNvPr id="2" name="Imagem 1"/>
           <p:cNvPicPr>
             <a:picLocks noChangeAspect="1"/>
           </p:cNvPicPr>
@@ -3179,8 +3250,8 @@
         </p:blipFill>
         <p:spPr>
           <a:xfrm>
-            <a:off x="1103587" y="669378"/>
-            <a:ext cx="10131972" cy="5699234"/>
+            <a:off x="1356233" y="220716"/>
+            <a:ext cx="9626577" cy="6332483"/>
           </a:xfrm>
           <a:prstGeom prst="rect">
             <a:avLst/>
@@ -3226,14 +3297,14 @@
       </p:grpSpPr>
       <p:pic>
         <p:nvPicPr>
-          <p:cNvPr id="4" name="Imagem 3"/>
+          <p:cNvPr id="2" name="Imagem 1"/>
           <p:cNvPicPr>
             <a:picLocks noChangeAspect="1"/>
           </p:cNvPicPr>
           <p:nvPr/>
         </p:nvPicPr>
         <p:blipFill>
-          <a:blip r:embed="rId2" cstate="print">
+          <a:blip r:embed="rId2">
             <a:extLst>
               <a:ext uri="{28A0092B-C50C-407E-A947-70E740481C1C}">
                 <a14:useLocalDpi xmlns:a14="http://schemas.microsoft.com/office/drawing/2010/main" val="0"/>
@@ -3246,8 +3317,8 @@
         </p:blipFill>
         <p:spPr>
           <a:xfrm>
-            <a:off x="1198179" y="222770"/>
-            <a:ext cx="9490841" cy="6321638"/>
+            <a:off x="641133" y="325820"/>
+            <a:ext cx="10818647" cy="6085489"/>
           </a:xfrm>
           <a:prstGeom prst="rect">
             <a:avLst/>
@@ -3313,75 +3384,8 @@
         </p:blipFill>
         <p:spPr>
           <a:xfrm>
-            <a:off x="1396618" y="399394"/>
-            <a:ext cx="9386995" cy="6168597"/>
-          </a:xfrm>
-          <a:prstGeom prst="rect">
-            <a:avLst/>
-          </a:prstGeom>
-        </p:spPr>
-      </p:pic>
-    </p:spTree>
-    <p:extLst>
-      <p:ext uri="{BB962C8B-B14F-4D97-AF65-F5344CB8AC3E}">
-        <p14:creationId xmlns:p14="http://schemas.microsoft.com/office/powerpoint/2010/main" val="2857666667"/>
-      </p:ext>
-    </p:extLst>
-  </p:cSld>
-  <p:clrMapOvr>
-    <a:masterClrMapping/>
-  </p:clrMapOvr>
-  <p:timing>
-    <p:tnLst>
-      <p:par>
-        <p:cTn id="1" dur="indefinite" restart="never" nodeType="tmRoot"/>
-      </p:par>
-    </p:tnLst>
-  </p:timing>
-</p:sld>
-</file>
-
-<file path=ppt/slides/slide6.xml><?xml version="1.0" encoding="utf-8"?>
-<p:sld xmlns:a="http://schemas.openxmlformats.org/drawingml/2006/main" xmlns:r="http://schemas.openxmlformats.org/officeDocument/2006/relationships" xmlns:p="http://schemas.openxmlformats.org/presentationml/2006/main">
-  <p:cSld>
-    <p:spTree>
-      <p:nvGrpSpPr>
-        <p:cNvPr id="1" name=""/>
-        <p:cNvGrpSpPr/>
-        <p:nvPr/>
-      </p:nvGrpSpPr>
-      <p:grpSpPr>
-        <a:xfrm>
-          <a:off x="0" y="0"/>
-          <a:ext cx="0" cy="0"/>
-          <a:chOff x="0" y="0"/>
-          <a:chExt cx="0" cy="0"/>
-        </a:xfrm>
-      </p:grpSpPr>
-      <p:pic>
-        <p:nvPicPr>
-          <p:cNvPr id="2" name="Imagem 1"/>
-          <p:cNvPicPr>
-            <a:picLocks noChangeAspect="1"/>
-          </p:cNvPicPr>
-          <p:nvPr/>
-        </p:nvPicPr>
-        <p:blipFill>
-          <a:blip r:embed="rId2">
-            <a:extLst>
-              <a:ext uri="{28A0092B-C50C-407E-A947-70E740481C1C}">
-                <a14:useLocalDpi xmlns:a14="http://schemas.microsoft.com/office/drawing/2010/main" val="0"/>
-              </a:ext>
-            </a:extLst>
-          </a:blip>
-          <a:stretch>
-            <a:fillRect/>
-          </a:stretch>
-        </p:blipFill>
-        <p:spPr>
-          <a:xfrm>
-            <a:off x="1026073" y="73573"/>
-            <a:ext cx="10058400" cy="6705600"/>
+            <a:off x="2427448" y="378184"/>
+            <a:ext cx="7641463" cy="6185526"/>
           </a:xfrm>
           <a:prstGeom prst="rect">
             <a:avLst/>

--- a/TDD.pptx
+++ b/TDD.pptx
@@ -10,6 +10,7 @@
     <p:sldId id="260" r:id="rId4"/>
     <p:sldId id="261" r:id="rId5"/>
     <p:sldId id="257" r:id="rId6"/>
+    <p:sldId id="262" r:id="rId7"/>
   </p:sldIdLst>
   <p:sldSz cx="12192000" cy="6858000"/>
   <p:notesSz cx="6858000" cy="9144000"/>
@@ -3412,6 +3413,121 @@
 </p:sld>
 </file>
 
+<file path=ppt/slides/slide6.xml><?xml version="1.0" encoding="utf-8"?>
+<p:sld xmlns:a="http://schemas.openxmlformats.org/drawingml/2006/main" xmlns:r="http://schemas.openxmlformats.org/officeDocument/2006/relationships" xmlns:p="http://schemas.openxmlformats.org/presentationml/2006/main">
+  <p:cSld>
+    <p:spTree>
+      <p:nvGrpSpPr>
+        <p:cNvPr id="1" name=""/>
+        <p:cNvGrpSpPr/>
+        <p:nvPr/>
+      </p:nvGrpSpPr>
+      <p:grpSpPr>
+        <a:xfrm>
+          <a:off x="0" y="0"/>
+          <a:ext cx="0" cy="0"/>
+          <a:chOff x="0" y="0"/>
+          <a:chExt cx="0" cy="0"/>
+        </a:xfrm>
+      </p:grpSpPr>
+      <p:sp>
+        <p:nvSpPr>
+          <p:cNvPr id="2" name="Retângulo 1"/>
+          <p:cNvSpPr/>
+          <p:nvPr/>
+        </p:nvSpPr>
+        <p:spPr>
+          <a:xfrm>
+            <a:off x="472963" y="2585544"/>
+            <a:ext cx="5754630" cy="461665"/>
+          </a:xfrm>
+          <a:prstGeom prst="rect">
+            <a:avLst/>
+          </a:prstGeom>
+        </p:spPr>
+        <p:txBody>
+          <a:bodyPr wrap="square">
+            <a:spAutoFit/>
+          </a:bodyPr>
+          <a:lstStyle/>
+          <a:p>
+            <a:r>
+              <a:rPr lang="pt-BR" sz="2400" dirty="0">
+                <a:solidFill>
+                  <a:schemeClr val="bg2">
+                    <a:lumMod val="50000"/>
+                  </a:schemeClr>
+                </a:solidFill>
+              </a:rPr>
+              <a:t>http://tdd.caelum.com.br/</a:t>
+            </a:r>
+          </a:p>
+        </p:txBody>
+      </p:sp>
+      <p:sp>
+        <p:nvSpPr>
+          <p:cNvPr id="4" name="CaixaDeTexto 3"/>
+          <p:cNvSpPr txBox="1"/>
+          <p:nvPr/>
+        </p:nvSpPr>
+        <p:spPr>
+          <a:xfrm>
+            <a:off x="472963" y="1138994"/>
+            <a:ext cx="5570485" cy="1446550"/>
+          </a:xfrm>
+          <a:prstGeom prst="rect">
+            <a:avLst/>
+          </a:prstGeom>
+          <a:noFill/>
+        </p:spPr>
+        <p:txBody>
+          <a:bodyPr wrap="square" rtlCol="0">
+            <a:spAutoFit/>
+          </a:bodyPr>
+          <a:lstStyle/>
+          <a:p>
+            <a:r>
+              <a:rPr lang="pt-BR" sz="8800" dirty="0" smtClean="0">
+                <a:solidFill>
+                  <a:schemeClr val="tx1">
+                    <a:lumMod val="75000"/>
+                    <a:lumOff val="25000"/>
+                  </a:schemeClr>
+                </a:solidFill>
+              </a:rPr>
+              <a:t>Referências</a:t>
+            </a:r>
+            <a:endParaRPr lang="pt-BR" sz="8800" dirty="0">
+              <a:solidFill>
+                <a:schemeClr val="tx1">
+                  <a:lumMod val="75000"/>
+                  <a:lumOff val="25000"/>
+                </a:schemeClr>
+              </a:solidFill>
+            </a:endParaRPr>
+          </a:p>
+        </p:txBody>
+      </p:sp>
+    </p:spTree>
+    <p:extLst>
+      <p:ext uri="{BB962C8B-B14F-4D97-AF65-F5344CB8AC3E}">
+        <p14:creationId xmlns:p14="http://schemas.microsoft.com/office/powerpoint/2010/main" val="3191405467"/>
+      </p:ext>
+    </p:extLst>
+  </p:cSld>
+  <p:clrMapOvr>
+    <a:masterClrMapping/>
+  </p:clrMapOvr>
+  <p:timing>
+    <p:tnLst>
+      <p:par>
+        <p:cTn id="1" dur="indefinite" restart="never" nodeType="tmRoot"/>
+      </p:par>
+    </p:tnLst>
+  </p:timing>
+</p:sld>
+</file>
+
 <file path=ppt/theme/theme1.xml><?xml version="1.0" encoding="utf-8"?>
 <a:theme xmlns:a="http://schemas.openxmlformats.org/drawingml/2006/main" name="Tema do Office">
   <a:themeElements>
